--- a/Student Record Management System.pptx
+++ b/Student Record Management System.pptx
@@ -20067,7 +20067,7 @@
           <a:p>
             <a:fld id="{463A56DF-4BB3-44A4-9A28-38EF44C63D80}" type="datetimeFigureOut">
               <a:rPr lang="en-IN" smtClean="0"/>
-              <a:t>19-07-2022</a:t>
+              <a:t>20-07-2022</a:t>
             </a:fld>
             <a:endParaRPr lang="en-IN"/>
           </a:p>
@@ -20405,7 +20405,7 @@
           <a:p>
             <a:fld id="{463A56DF-4BB3-44A4-9A28-38EF44C63D80}" type="datetimeFigureOut">
               <a:rPr lang="en-IN" smtClean="0"/>
-              <a:t>19-07-2022</a:t>
+              <a:t>20-07-2022</a:t>
             </a:fld>
             <a:endParaRPr lang="en-IN"/>
           </a:p>
@@ -20806,7 +20806,7 @@
           <a:p>
             <a:fld id="{463A56DF-4BB3-44A4-9A28-38EF44C63D80}" type="datetimeFigureOut">
               <a:rPr lang="en-IN" smtClean="0"/>
-              <a:t>19-07-2022</a:t>
+              <a:t>20-07-2022</a:t>
             </a:fld>
             <a:endParaRPr lang="en-IN"/>
           </a:p>
@@ -21142,7 +21142,7 @@
           <a:p>
             <a:fld id="{463A56DF-4BB3-44A4-9A28-38EF44C63D80}" type="datetimeFigureOut">
               <a:rPr lang="en-IN" smtClean="0"/>
-              <a:t>19-07-2022</a:t>
+              <a:t>20-07-2022</a:t>
             </a:fld>
             <a:endParaRPr lang="en-IN"/>
           </a:p>
@@ -21462,7 +21462,7 @@
           <a:p>
             <a:fld id="{463A56DF-4BB3-44A4-9A28-38EF44C63D80}" type="datetimeFigureOut">
               <a:rPr lang="en-IN" smtClean="0"/>
-              <a:t>19-07-2022</a:t>
+              <a:t>20-07-2022</a:t>
             </a:fld>
             <a:endParaRPr lang="en-IN"/>
           </a:p>
@@ -21858,7 +21858,7 @@
           <a:p>
             <a:fld id="{463A56DF-4BB3-44A4-9A28-38EF44C63D80}" type="datetimeFigureOut">
               <a:rPr lang="en-IN" smtClean="0"/>
-              <a:t>19-07-2022</a:t>
+              <a:t>20-07-2022</a:t>
             </a:fld>
             <a:endParaRPr lang="en-IN"/>
           </a:p>
@@ -22115,7 +22115,7 @@
           <a:p>
             <a:fld id="{463A56DF-4BB3-44A4-9A28-38EF44C63D80}" type="datetimeFigureOut">
               <a:rPr lang="en-IN" smtClean="0"/>
-              <a:t>19-07-2022</a:t>
+              <a:t>20-07-2022</a:t>
             </a:fld>
             <a:endParaRPr lang="en-IN"/>
           </a:p>
@@ -22377,7 +22377,7 @@
           <a:p>
             <a:fld id="{463A56DF-4BB3-44A4-9A28-38EF44C63D80}" type="datetimeFigureOut">
               <a:rPr lang="en-IN" smtClean="0"/>
-              <a:t>19-07-2022</a:t>
+              <a:t>20-07-2022</a:t>
             </a:fld>
             <a:endParaRPr lang="en-IN"/>
           </a:p>
@@ -22639,7 +22639,7 @@
           <a:p>
             <a:fld id="{463A56DF-4BB3-44A4-9A28-38EF44C63D80}" type="datetimeFigureOut">
               <a:rPr lang="en-IN" smtClean="0"/>
-              <a:t>19-07-2022</a:t>
+              <a:t>20-07-2022</a:t>
             </a:fld>
             <a:endParaRPr lang="en-IN"/>
           </a:p>
@@ -22968,7 +22968,7 @@
           <a:p>
             <a:fld id="{463A56DF-4BB3-44A4-9A28-38EF44C63D80}" type="datetimeFigureOut">
               <a:rPr lang="en-IN" smtClean="0"/>
-              <a:t>19-07-2022</a:t>
+              <a:t>20-07-2022</a:t>
             </a:fld>
             <a:endParaRPr lang="en-IN"/>
           </a:p>
@@ -23291,7 +23291,7 @@
           <a:p>
             <a:fld id="{463A56DF-4BB3-44A4-9A28-38EF44C63D80}" type="datetimeFigureOut">
               <a:rPr lang="en-IN" smtClean="0"/>
-              <a:t>19-07-2022</a:t>
+              <a:t>20-07-2022</a:t>
             </a:fld>
             <a:endParaRPr lang="en-IN"/>
           </a:p>
@@ -23748,7 +23748,7 @@
           <a:p>
             <a:fld id="{463A56DF-4BB3-44A4-9A28-38EF44C63D80}" type="datetimeFigureOut">
               <a:rPr lang="en-IN" smtClean="0"/>
-              <a:t>19-07-2022</a:t>
+              <a:t>20-07-2022</a:t>
             </a:fld>
             <a:endParaRPr lang="en-IN"/>
           </a:p>
@@ -23953,7 +23953,7 @@
           <a:p>
             <a:fld id="{463A56DF-4BB3-44A4-9A28-38EF44C63D80}" type="datetimeFigureOut">
               <a:rPr lang="en-IN" smtClean="0"/>
-              <a:t>19-07-2022</a:t>
+              <a:t>20-07-2022</a:t>
             </a:fld>
             <a:endParaRPr lang="en-IN"/>
           </a:p>
@@ -24130,7 +24130,7 @@
           <a:p>
             <a:fld id="{463A56DF-4BB3-44A4-9A28-38EF44C63D80}" type="datetimeFigureOut">
               <a:rPr lang="en-IN" smtClean="0"/>
-              <a:t>19-07-2022</a:t>
+              <a:t>20-07-2022</a:t>
             </a:fld>
             <a:endParaRPr lang="en-IN"/>
           </a:p>
@@ -24463,7 +24463,7 @@
           <a:p>
             <a:fld id="{463A56DF-4BB3-44A4-9A28-38EF44C63D80}" type="datetimeFigureOut">
               <a:rPr lang="en-IN" smtClean="0"/>
-              <a:t>19-07-2022</a:t>
+              <a:t>20-07-2022</a:t>
             </a:fld>
             <a:endParaRPr lang="en-IN"/>
           </a:p>
@@ -24808,7 +24808,7 @@
           <a:p>
             <a:fld id="{463A56DF-4BB3-44A4-9A28-38EF44C63D80}" type="datetimeFigureOut">
               <a:rPr lang="en-IN" smtClean="0"/>
-              <a:t>19-07-2022</a:t>
+              <a:t>20-07-2022</a:t>
             </a:fld>
             <a:endParaRPr lang="en-IN"/>
           </a:p>
@@ -26925,7 +26925,7 @@
           <a:p>
             <a:fld id="{463A56DF-4BB3-44A4-9A28-38EF44C63D80}" type="datetimeFigureOut">
               <a:rPr lang="en-IN" smtClean="0"/>
-              <a:t>19-07-2022</a:t>
+              <a:t>20-07-2022</a:t>
             </a:fld>
             <a:endParaRPr lang="en-IN"/>
           </a:p>
@@ -27900,6 +27900,129 @@
           </a:prstGeom>
         </p:spPr>
       </p:pic>
+      <p:sp>
+        <p:nvSpPr>
+          <p:cNvPr id="5" name="TextBox 4">
+            <a:extLst>
+              <a:ext uri="{FF2B5EF4-FFF2-40B4-BE49-F238E27FC236}">
+                <a16:creationId xmlns:a16="http://schemas.microsoft.com/office/drawing/2014/main" id="{4684A9E3-C8AB-5B40-CF20-41AA616A9826}"/>
+              </a:ext>
+            </a:extLst>
+          </p:cNvPr>
+          <p:cNvSpPr txBox="1"/>
+          <p:nvPr/>
+        </p:nvSpPr>
+        <p:spPr>
+          <a:xfrm>
+            <a:off x="1712680" y="5939373"/>
+            <a:ext cx="6101542" cy="369332"/>
+          </a:xfrm>
+          <a:prstGeom prst="rect">
+            <a:avLst/>
+          </a:prstGeom>
+          <a:noFill/>
+        </p:spPr>
+        <p:txBody>
+          <a:bodyPr wrap="square">
+            <a:spAutoFit/>
+          </a:bodyPr>
+          <a:lstStyle/>
+          <a:p>
+            <a:r>
+              <a:rPr lang="en-IN" b="1" dirty="0">
+                <a:solidFill>
+                  <a:schemeClr val="bg2">
+                    <a:lumMod val="25000"/>
+                  </a:schemeClr>
+                </a:solidFill>
+                <a:hlinkClick r:id="rId3">
+                  <a:extLst>
+                    <a:ext uri="{A12FA001-AC4F-418D-AE19-62706E023703}">
+                      <ahyp:hlinkClr xmlns:ahyp="http://schemas.microsoft.com/office/drawing/2018/hyperlinkcolor" val="tx"/>
+                    </a:ext>
+                  </a:extLst>
+                </a:hlinkClick>
+              </a:rPr>
+              <a:t>GitHub - </a:t>
+            </a:r>
+            <a:r>
+              <a:rPr lang="en-IN" b="1" dirty="0" err="1">
+                <a:solidFill>
+                  <a:schemeClr val="bg2">
+                    <a:lumMod val="25000"/>
+                  </a:schemeClr>
+                </a:solidFill>
+                <a:hlinkClick r:id="rId3">
+                  <a:extLst>
+                    <a:ext uri="{A12FA001-AC4F-418D-AE19-62706E023703}">
+                      <ahyp:hlinkClr xmlns:ahyp="http://schemas.microsoft.com/office/drawing/2018/hyperlinkcolor" val="tx"/>
+                    </a:ext>
+                  </a:extLst>
+                </a:hlinkClick>
+              </a:rPr>
+              <a:t>ChaitraNarasimhalu</a:t>
+            </a:r>
+            <a:r>
+              <a:rPr lang="en-IN" b="1" dirty="0">
+                <a:solidFill>
+                  <a:schemeClr val="bg2">
+                    <a:lumMod val="25000"/>
+                  </a:schemeClr>
+                </a:solidFill>
+                <a:hlinkClick r:id="rId3">
+                  <a:extLst>
+                    <a:ext uri="{A12FA001-AC4F-418D-AE19-62706E023703}">
+                      <ahyp:hlinkClr xmlns:ahyp="http://schemas.microsoft.com/office/drawing/2018/hyperlinkcolor" val="tx"/>
+                    </a:ext>
+                  </a:extLst>
+                </a:hlinkClick>
+              </a:rPr>
+              <a:t>/</a:t>
+            </a:r>
+            <a:r>
+              <a:rPr lang="en-IN" b="1" dirty="0" err="1">
+                <a:solidFill>
+                  <a:schemeClr val="bg2">
+                    <a:lumMod val="25000"/>
+                  </a:schemeClr>
+                </a:solidFill>
+                <a:hlinkClick r:id="rId3">
+                  <a:extLst>
+                    <a:ext uri="{A12FA001-AC4F-418D-AE19-62706E023703}">
+                      <ahyp:hlinkClr xmlns:ahyp="http://schemas.microsoft.com/office/drawing/2018/hyperlinkcolor" val="tx"/>
+                    </a:ext>
+                  </a:extLst>
+                </a:hlinkClick>
+              </a:rPr>
+              <a:t>StudentDemoo</a:t>
+            </a:r>
+            <a:r>
+              <a:rPr lang="en-IN" b="1" dirty="0">
+                <a:solidFill>
+                  <a:schemeClr val="bg2">
+                    <a:lumMod val="25000"/>
+                  </a:schemeClr>
+                </a:solidFill>
+                <a:hlinkClick r:id="rId3">
+                  <a:extLst>
+                    <a:ext uri="{A12FA001-AC4F-418D-AE19-62706E023703}">
+                      <ahyp:hlinkClr xmlns:ahyp="http://schemas.microsoft.com/office/drawing/2018/hyperlinkcolor" val="tx"/>
+                    </a:ext>
+                  </a:extLst>
+                </a:hlinkClick>
+              </a:rPr>
+              <a:t>: Demo</a:t>
+            </a:r>
+            <a:endParaRPr lang="en-IN" b="1" dirty="0">
+              <a:solidFill>
+                <a:schemeClr val="bg2">
+                  <a:lumMod val="25000"/>
+                </a:schemeClr>
+              </a:solidFill>
+            </a:endParaRPr>
+          </a:p>
+        </p:txBody>
+      </p:sp>
     </p:spTree>
     <p:extLst>
       <p:ext uri="{BB962C8B-B14F-4D97-AF65-F5344CB8AC3E}">
